--- a/docs/projekt/HCI-Muscle_Market.pptx
+++ b/docs/projekt/HCI-Muscle_Market.pptx
@@ -129,6 +129,11 @@
       </a:defRPr>
     </a:lvl9pPr>
   </p:defaultTextStyle>
+  <p:extLst>
+    <p:ext uri="{EFAFB233-063F-42B5-8137-9DF3F51BA10A}">
+      <p15:sldGuideLst xmlns:p15="http://schemas.microsoft.com/office/powerpoint/2012/main"/>
+    </p:ext>
+  </p:extLst>
 </p:presentation>
 </file>
 
@@ -214,7 +219,7 @@
           <a:p>
             <a:fld id="{570BD298-4FED-450F-B51D-03420ACC9745}" type="datetimeFigureOut">
               <a:rPr lang="hr-HR" smtClean="0"/>
-              <a:t>25.02.2021.</a:t>
+              <a:t>25.2.2021.</a:t>
             </a:fld>
             <a:endParaRPr lang="hr-HR"/>
           </a:p>
@@ -628,7 +633,7 @@
           <a:p>
             <a:fld id="{3C8BF931-F00D-4CD0-BA25-9E8CD5AC4218}" type="datetimeFigureOut">
               <a:rPr lang="hr-HR" smtClean="0"/>
-              <a:t>25.02.2021.</a:t>
+              <a:t>25.2.2021.</a:t>
             </a:fld>
             <a:endParaRPr lang="hr-HR"/>
           </a:p>
@@ -826,7 +831,7 @@
           <a:p>
             <a:fld id="{3C8BF931-F00D-4CD0-BA25-9E8CD5AC4218}" type="datetimeFigureOut">
               <a:rPr lang="hr-HR" smtClean="0"/>
-              <a:t>25.02.2021.</a:t>
+              <a:t>25.2.2021.</a:t>
             </a:fld>
             <a:endParaRPr lang="hr-HR"/>
           </a:p>
@@ -1034,7 +1039,7 @@
           <a:p>
             <a:fld id="{3C8BF931-F00D-4CD0-BA25-9E8CD5AC4218}" type="datetimeFigureOut">
               <a:rPr lang="hr-HR" smtClean="0"/>
-              <a:t>25.02.2021.</a:t>
+              <a:t>25.2.2021.</a:t>
             </a:fld>
             <a:endParaRPr lang="hr-HR"/>
           </a:p>
@@ -1232,7 +1237,7 @@
           <a:p>
             <a:fld id="{3C8BF931-F00D-4CD0-BA25-9E8CD5AC4218}" type="datetimeFigureOut">
               <a:rPr lang="hr-HR" smtClean="0"/>
-              <a:t>25.02.2021.</a:t>
+              <a:t>25.2.2021.</a:t>
             </a:fld>
             <a:endParaRPr lang="hr-HR"/>
           </a:p>
@@ -1507,7 +1512,7 @@
           <a:p>
             <a:fld id="{3C8BF931-F00D-4CD0-BA25-9E8CD5AC4218}" type="datetimeFigureOut">
               <a:rPr lang="hr-HR" smtClean="0"/>
-              <a:t>25.02.2021.</a:t>
+              <a:t>25.2.2021.</a:t>
             </a:fld>
             <a:endParaRPr lang="hr-HR"/>
           </a:p>
@@ -1772,7 +1777,7 @@
           <a:p>
             <a:fld id="{3C8BF931-F00D-4CD0-BA25-9E8CD5AC4218}" type="datetimeFigureOut">
               <a:rPr lang="hr-HR" smtClean="0"/>
-              <a:t>25.02.2021.</a:t>
+              <a:t>25.2.2021.</a:t>
             </a:fld>
             <a:endParaRPr lang="hr-HR"/>
           </a:p>
@@ -2184,7 +2189,7 @@
           <a:p>
             <a:fld id="{3C8BF931-F00D-4CD0-BA25-9E8CD5AC4218}" type="datetimeFigureOut">
               <a:rPr lang="hr-HR" smtClean="0"/>
-              <a:t>25.02.2021.</a:t>
+              <a:t>25.2.2021.</a:t>
             </a:fld>
             <a:endParaRPr lang="hr-HR"/>
           </a:p>
@@ -2325,7 +2330,7 @@
           <a:p>
             <a:fld id="{3C8BF931-F00D-4CD0-BA25-9E8CD5AC4218}" type="datetimeFigureOut">
               <a:rPr lang="hr-HR" smtClean="0"/>
-              <a:t>25.02.2021.</a:t>
+              <a:t>25.2.2021.</a:t>
             </a:fld>
             <a:endParaRPr lang="hr-HR"/>
           </a:p>
@@ -2438,7 +2443,7 @@
           <a:p>
             <a:fld id="{3C8BF931-F00D-4CD0-BA25-9E8CD5AC4218}" type="datetimeFigureOut">
               <a:rPr lang="hr-HR" smtClean="0"/>
-              <a:t>25.02.2021.</a:t>
+              <a:t>25.2.2021.</a:t>
             </a:fld>
             <a:endParaRPr lang="hr-HR"/>
           </a:p>
@@ -2749,7 +2754,7 @@
           <a:p>
             <a:fld id="{3C8BF931-F00D-4CD0-BA25-9E8CD5AC4218}" type="datetimeFigureOut">
               <a:rPr lang="hr-HR" smtClean="0"/>
-              <a:t>25.02.2021.</a:t>
+              <a:t>25.2.2021.</a:t>
             </a:fld>
             <a:endParaRPr lang="hr-HR"/>
           </a:p>
@@ -3037,7 +3042,7 @@
           <a:p>
             <a:fld id="{3C8BF931-F00D-4CD0-BA25-9E8CD5AC4218}" type="datetimeFigureOut">
               <a:rPr lang="hr-HR" smtClean="0"/>
-              <a:t>25.02.2021.</a:t>
+              <a:t>25.2.2021.</a:t>
             </a:fld>
             <a:endParaRPr lang="hr-HR"/>
           </a:p>
@@ -3278,7 +3283,7 @@
           <a:p>
             <a:fld id="{3C8BF931-F00D-4CD0-BA25-9E8CD5AC4218}" type="datetimeFigureOut">
               <a:rPr lang="hr-HR" smtClean="0"/>
-              <a:t>25.02.2021.</a:t>
+              <a:t>25.2.2021.</a:t>
             </a:fld>
             <a:endParaRPr lang="hr-HR"/>
           </a:p>
@@ -5229,10 +5234,10 @@
               <a:buChar char="•"/>
             </a:pPr>
             <a:r>
-              <a:rPr lang="hr-HR" sz="2400"/>
+              <a:rPr lang="hr-HR" sz="2400" dirty="0"/>
               <a:t>Online trgovina sportske opreme</a:t>
             </a:r>
-            <a:endParaRPr lang="en-US" sz="2400"/>
+            <a:endParaRPr lang="en-US" sz="2400" dirty="0"/>
           </a:p>
           <a:p>
             <a:pPr marL="285750" indent="-285750">
@@ -5240,9 +5245,62 @@
               <a:buChar char="•"/>
             </a:pPr>
             <a:r>
+              <a:rPr lang="en-US" sz="2400" dirty="0"/>
+              <a:t>Blog </a:t>
+            </a:r>
+            <a:r>
+              <a:rPr lang="en-US" sz="2400" dirty="0" err="1"/>
+              <a:t>objava</a:t>
+            </a:r>
+            <a:r>
+              <a:rPr lang="en-US" sz="2400" dirty="0"/>
+              <a:t> </a:t>
+            </a:r>
+            <a:r>
               <a:rPr lang="en-US" sz="2400"/>
-              <a:t>Blog objava sporstkih iskustava i osvrti na stranicu</a:t>
-            </a:r>
+              <a:t>sportskih</a:t>
+            </a:r>
+            <a:r>
+              <a:rPr lang="en-US" sz="2400" dirty="0"/>
+              <a:t> </a:t>
+            </a:r>
+            <a:r>
+              <a:rPr lang="en-US" sz="2400" dirty="0" err="1"/>
+              <a:t>iskustava</a:t>
+            </a:r>
+            <a:r>
+              <a:rPr lang="en-US" sz="2400" dirty="0"/>
+              <a:t> </a:t>
+            </a:r>
+            <a:r>
+              <a:rPr lang="en-US" sz="2400" dirty="0" err="1"/>
+              <a:t>i</a:t>
+            </a:r>
+            <a:r>
+              <a:rPr lang="en-US" sz="2400" dirty="0"/>
+              <a:t> </a:t>
+            </a:r>
+            <a:r>
+              <a:rPr lang="en-US" sz="2400" dirty="0" err="1"/>
+              <a:t>osvrti</a:t>
+            </a:r>
+            <a:r>
+              <a:rPr lang="en-US" sz="2400" dirty="0"/>
+              <a:t> </a:t>
+            </a:r>
+            <a:r>
+              <a:rPr lang="en-US" sz="2400" dirty="0" err="1"/>
+              <a:t>na</a:t>
+            </a:r>
+            <a:r>
+              <a:rPr lang="en-US" sz="2400" dirty="0"/>
+              <a:t> </a:t>
+            </a:r>
+            <a:r>
+              <a:rPr lang="en-US" sz="2400" dirty="0" err="1"/>
+              <a:t>stranicu</a:t>
+            </a:r>
+            <a:endParaRPr lang="en-US" sz="2400" dirty="0"/>
           </a:p>
           <a:p>
             <a:pPr marL="285750" indent="-285750">
@@ -5250,8 +5308,20 @@
               <a:buChar char="•"/>
             </a:pPr>
             <a:r>
-              <a:rPr lang="en-US" sz="2400"/>
-              <a:t>Savjeti zaposlenika Muscle Marketa</a:t>
+              <a:rPr lang="en-US" sz="2400" dirty="0" err="1"/>
+              <a:t>Savjeti</a:t>
+            </a:r>
+            <a:r>
+              <a:rPr lang="en-US" sz="2400" dirty="0"/>
+              <a:t> </a:t>
+            </a:r>
+            <a:r>
+              <a:rPr lang="en-US" sz="2400" dirty="0" err="1"/>
+              <a:t>zaposlenika</a:t>
+            </a:r>
+            <a:r>
+              <a:rPr lang="en-US" sz="2400" dirty="0"/>
+              <a:t> Muscle Marketa</a:t>
             </a:r>
           </a:p>
         </p:txBody>
